--- a/Yu Feng CRC-fungi-Re1 (JY)/Figure 3-Re (JY)-Re (YF).pptx
+++ b/Yu Feng CRC-fungi-Re1 (JY)/Figure 3-Re (JY)-Re (YF).pptx
@@ -255,7 +255,7 @@
           <a:p>
             <a:fld id="{EC74FADF-D0C6-45B9-9519-8E9831A40386}" type="datetimeFigureOut">
               <a:rPr lang="en-HK" smtClean="0"/>
-              <a:t>22/10/2021</a:t>
+              <a:t>2/11/2021</a:t>
             </a:fld>
             <a:endParaRPr lang="en-HK"/>
           </a:p>
@@ -425,7 +425,7 @@
           <a:p>
             <a:fld id="{EC74FADF-D0C6-45B9-9519-8E9831A40386}" type="datetimeFigureOut">
               <a:rPr lang="en-HK" smtClean="0"/>
-              <a:t>22/10/2021</a:t>
+              <a:t>2/11/2021</a:t>
             </a:fld>
             <a:endParaRPr lang="en-HK"/>
           </a:p>
@@ -605,7 +605,7 @@
           <a:p>
             <a:fld id="{EC74FADF-D0C6-45B9-9519-8E9831A40386}" type="datetimeFigureOut">
               <a:rPr lang="en-HK" smtClean="0"/>
-              <a:t>22/10/2021</a:t>
+              <a:t>2/11/2021</a:t>
             </a:fld>
             <a:endParaRPr lang="en-HK"/>
           </a:p>
@@ -775,7 +775,7 @@
           <a:p>
             <a:fld id="{EC74FADF-D0C6-45B9-9519-8E9831A40386}" type="datetimeFigureOut">
               <a:rPr lang="en-HK" smtClean="0"/>
-              <a:t>22/10/2021</a:t>
+              <a:t>2/11/2021</a:t>
             </a:fld>
             <a:endParaRPr lang="en-HK"/>
           </a:p>
@@ -1019,7 +1019,7 @@
           <a:p>
             <a:fld id="{EC74FADF-D0C6-45B9-9519-8E9831A40386}" type="datetimeFigureOut">
               <a:rPr lang="en-HK" smtClean="0"/>
-              <a:t>22/10/2021</a:t>
+              <a:t>2/11/2021</a:t>
             </a:fld>
             <a:endParaRPr lang="en-HK"/>
           </a:p>
@@ -1251,7 +1251,7 @@
           <a:p>
             <a:fld id="{EC74FADF-D0C6-45B9-9519-8E9831A40386}" type="datetimeFigureOut">
               <a:rPr lang="en-HK" smtClean="0"/>
-              <a:t>22/10/2021</a:t>
+              <a:t>2/11/2021</a:t>
             </a:fld>
             <a:endParaRPr lang="en-HK"/>
           </a:p>
@@ -1618,7 +1618,7 @@
           <a:p>
             <a:fld id="{EC74FADF-D0C6-45B9-9519-8E9831A40386}" type="datetimeFigureOut">
               <a:rPr lang="en-HK" smtClean="0"/>
-              <a:t>22/10/2021</a:t>
+              <a:t>2/11/2021</a:t>
             </a:fld>
             <a:endParaRPr lang="en-HK"/>
           </a:p>
@@ -1736,7 +1736,7 @@
           <a:p>
             <a:fld id="{EC74FADF-D0C6-45B9-9519-8E9831A40386}" type="datetimeFigureOut">
               <a:rPr lang="en-HK" smtClean="0"/>
-              <a:t>22/10/2021</a:t>
+              <a:t>2/11/2021</a:t>
             </a:fld>
             <a:endParaRPr lang="en-HK"/>
           </a:p>
@@ -1831,7 +1831,7 @@
           <a:p>
             <a:fld id="{EC74FADF-D0C6-45B9-9519-8E9831A40386}" type="datetimeFigureOut">
               <a:rPr lang="en-HK" smtClean="0"/>
-              <a:t>22/10/2021</a:t>
+              <a:t>2/11/2021</a:t>
             </a:fld>
             <a:endParaRPr lang="en-HK"/>
           </a:p>
@@ -2108,7 +2108,7 @@
           <a:p>
             <a:fld id="{EC74FADF-D0C6-45B9-9519-8E9831A40386}" type="datetimeFigureOut">
               <a:rPr lang="en-HK" smtClean="0"/>
-              <a:t>22/10/2021</a:t>
+              <a:t>2/11/2021</a:t>
             </a:fld>
             <a:endParaRPr lang="en-HK"/>
           </a:p>
@@ -2365,7 +2365,7 @@
           <a:p>
             <a:fld id="{EC74FADF-D0C6-45B9-9519-8E9831A40386}" type="datetimeFigureOut">
               <a:rPr lang="en-HK" smtClean="0"/>
-              <a:t>22/10/2021</a:t>
+              <a:t>2/11/2021</a:t>
             </a:fld>
             <a:endParaRPr lang="en-HK"/>
           </a:p>
@@ -2578,7 +2578,7 @@
           <a:p>
             <a:fld id="{EC74FADF-D0C6-45B9-9519-8E9831A40386}" type="datetimeFigureOut">
               <a:rPr lang="en-HK" smtClean="0"/>
-              <a:t>22/10/2021</a:t>
+              <a:t>2/11/2021</a:t>
             </a:fld>
             <a:endParaRPr lang="en-HK"/>
           </a:p>
@@ -3018,42 +3018,6 @@
           </a:prstGeom>
         </p:spPr>
       </p:pic>
-      <p:sp>
-        <p:nvSpPr>
-          <p:cNvPr id="310" name="TextBox 309">
-            <a:extLst>
-              <a:ext uri="{FF2B5EF4-FFF2-40B4-BE49-F238E27FC236}">
-                <a16:creationId xmlns:a16="http://schemas.microsoft.com/office/drawing/2014/main" id="{0B93FAE2-6136-4D56-A96E-35F866B6D688}"/>
-              </a:ext>
-            </a:extLst>
-          </p:cNvPr>
-          <p:cNvSpPr txBox="1"/>
-          <p:nvPr/>
-        </p:nvSpPr>
-        <p:spPr>
-          <a:xfrm>
-            <a:off x="233418" y="430752"/>
-            <a:ext cx="1787887" cy="646331"/>
-          </a:xfrm>
-          <a:prstGeom prst="rect">
-            <a:avLst/>
-          </a:prstGeom>
-          <a:noFill/>
-        </p:spPr>
-        <p:txBody>
-          <a:bodyPr wrap="square" rtlCol="0">
-            <a:spAutoFit/>
-          </a:bodyPr>
-          <a:lstStyle/>
-          <a:p>
-            <a:r>
-              <a:rPr lang="en-US" sz="3600" b="1" dirty="0"/>
-              <a:t>Figure 3</a:t>
-            </a:r>
-            <a:endParaRPr lang="en-HK" sz="3600" b="1" dirty="0"/>
-          </a:p>
-        </p:txBody>
-      </p:sp>
       <p:graphicFrame>
         <p:nvGraphicFramePr>
           <p:cNvPr id="311" name="Table 310">
@@ -15398,6 +15362,42 @@
           </a:p>
         </p:txBody>
       </p:sp>
+      <p:sp>
+        <p:nvSpPr>
+          <p:cNvPr id="66" name="TextBox 65">
+            <a:extLst>
+              <a:ext uri="{FF2B5EF4-FFF2-40B4-BE49-F238E27FC236}">
+                <a16:creationId xmlns:a16="http://schemas.microsoft.com/office/drawing/2014/main" id="{C7FBC5D6-28C9-463B-9354-459AD1CF3515}"/>
+              </a:ext>
+            </a:extLst>
+          </p:cNvPr>
+          <p:cNvSpPr txBox="1"/>
+          <p:nvPr/>
+        </p:nvSpPr>
+        <p:spPr>
+          <a:xfrm>
+            <a:off x="1647197" y="552914"/>
+            <a:ext cx="2732339" cy="584775"/>
+          </a:xfrm>
+          <a:prstGeom prst="rect">
+            <a:avLst/>
+          </a:prstGeom>
+          <a:noFill/>
+        </p:spPr>
+        <p:txBody>
+          <a:bodyPr wrap="square" rtlCol="0">
+            <a:spAutoFit/>
+          </a:bodyPr>
+          <a:lstStyle/>
+          <a:p>
+            <a:r>
+              <a:rPr lang="en-US" sz="3200" b="1" dirty="0"/>
+              <a:t>Figure 3</a:t>
+            </a:r>
+            <a:endParaRPr lang="en-HK" sz="3200" b="1" dirty="0"/>
+          </a:p>
+        </p:txBody>
+      </p:sp>
     </p:spTree>
     <p:extLst>
       <p:ext uri="{BB962C8B-B14F-4D97-AF65-F5344CB8AC3E}">
